--- a/Instructor-Led/Module3/Lessons/Module3_Lesson11 Debugging and Testing Xamarin Apps.pptx
+++ b/Instructor-Led/Module3/Lessons/Module3_Lesson11 Debugging and Testing Xamarin Apps.pptx
@@ -129,7 +129,7 @@
   </p:defaultTextStyle>
   <p:extLst>
     <p:ext uri="{EFAFB233-063F-42B5-8137-9DF3F51BA10A}">
-      <p15:sldGuideLst xmlns:p15="http://schemas.microsoft.com/office/powerpoint/2012/main" xmlns="">
+      <p15:sldGuideLst xmlns="" xmlns:p15="http://schemas.microsoft.com/office/powerpoint/2012/main">
         <p15:guide id="1" orient="horz" pos="2160">
           <p15:clr>
             <a:srgbClr val="A4A3A4"/>
@@ -234,7 +234,7 @@
           <a:p>
             <a:fld id="{49B60EF2-7028-489F-85D8-FE86CD7CF2A0}" type="datetimeFigureOut">
               <a:rPr lang="en-US" smtClean="0"/>
-              <a:t>6/17/16</a:t>
+              <a:t>6/28/16</a:t>
             </a:fld>
             <a:endParaRPr lang="en-US"/>
           </a:p>
@@ -3588,7 +3588,7 @@
           <a:p>
             <a:fld id="{0459C166-16D3-4A25-A2F8-C51E0E346B22}" type="datetimeFigureOut">
               <a:rPr lang="en-US" smtClean="0"/>
-              <a:t>6/17/16</a:t>
+              <a:t>6/28/16</a:t>
             </a:fld>
             <a:endParaRPr lang="en-US"/>
           </a:p>
@@ -3952,7 +3952,7 @@
           <a:p>
             <a:fld id="{0459C166-16D3-4A25-A2F8-C51E0E346B22}" type="datetimeFigureOut">
               <a:rPr lang="en-US" smtClean="0"/>
-              <a:t>6/17/16</a:t>
+              <a:t>6/28/16</a:t>
             </a:fld>
             <a:endParaRPr lang="en-US"/>
           </a:p>
@@ -4069,7 +4069,7 @@
           <a:p>
             <a:fld id="{0459C166-16D3-4A25-A2F8-C51E0E346B22}" type="datetimeFigureOut">
               <a:rPr lang="en-US" smtClean="0"/>
-              <a:t>6/17/16</a:t>
+              <a:t>6/28/16</a:t>
             </a:fld>
             <a:endParaRPr lang="en-US"/>
           </a:p>
@@ -4164,7 +4164,7 @@
           <a:p>
             <a:fld id="{0459C166-16D3-4A25-A2F8-C51E0E346B22}" type="datetimeFigureOut">
               <a:rPr lang="en-US" smtClean="0"/>
-              <a:t>6/17/16</a:t>
+              <a:t>6/28/16</a:t>
             </a:fld>
             <a:endParaRPr lang="en-US"/>
           </a:p>
@@ -4439,7 +4439,7 @@
           <a:p>
             <a:fld id="{0459C166-16D3-4A25-A2F8-C51E0E346B22}" type="datetimeFigureOut">
               <a:rPr lang="en-US" smtClean="0"/>
-              <a:t>6/17/16</a:t>
+              <a:t>6/28/16</a:t>
             </a:fld>
             <a:endParaRPr lang="en-US"/>
           </a:p>
@@ -4691,7 +4691,7 @@
           <a:p>
             <a:fld id="{0459C166-16D3-4A25-A2F8-C51E0E346B22}" type="datetimeFigureOut">
               <a:rPr lang="en-US" smtClean="0"/>
-              <a:t>6/17/16</a:t>
+              <a:t>6/28/16</a:t>
             </a:fld>
             <a:endParaRPr lang="en-US"/>
           </a:p>
@@ -4859,7 +4859,7 @@
           <a:p>
             <a:fld id="{0459C166-16D3-4A25-A2F8-C51E0E346B22}" type="datetimeFigureOut">
               <a:rPr lang="en-US" smtClean="0"/>
-              <a:t>6/17/16</a:t>
+              <a:t>6/28/16</a:t>
             </a:fld>
             <a:endParaRPr lang="en-US"/>
           </a:p>
@@ -5037,7 +5037,7 @@
           <a:p>
             <a:fld id="{0459C166-16D3-4A25-A2F8-C51E0E346B22}" type="datetimeFigureOut">
               <a:rPr lang="en-US" smtClean="0"/>
-              <a:t>6/17/16</a:t>
+              <a:t>6/28/16</a:t>
             </a:fld>
             <a:endParaRPr lang="en-US"/>
           </a:p>
@@ -5205,7 +5205,7 @@
           <a:p>
             <a:fld id="{0459C166-16D3-4A25-A2F8-C51E0E346B22}" type="datetimeFigureOut">
               <a:rPr lang="en-US" smtClean="0"/>
-              <a:t>6/17/16</a:t>
+              <a:t>6/28/16</a:t>
             </a:fld>
             <a:endParaRPr lang="en-US"/>
           </a:p>
@@ -5469,7 +5469,7 @@
             <a:fld id="{0459C166-16D3-4A25-A2F8-C51E0E346B22}" type="datetimeFigureOut">
               <a:rPr lang="en-US" smtClean="0"/>
               <a:pPr/>
-              <a:t>6/17/16</a:t>
+              <a:t>6/28/16</a:t>
             </a:fld>
             <a:endParaRPr lang="en-US"/>
           </a:p>
@@ -5785,7 +5785,7 @@
           <a:p>
             <a:fld id="{0459C166-16D3-4A25-A2F8-C51E0E346B22}" type="datetimeFigureOut">
               <a:rPr lang="en-US" smtClean="0"/>
-              <a:t>6/17/16</a:t>
+              <a:t>6/28/16</a:t>
             </a:fld>
             <a:endParaRPr lang="en-US"/>
           </a:p>
@@ -6177,7 +6177,7 @@
           <a:p>
             <a:fld id="{0459C166-16D3-4A25-A2F8-C51E0E346B22}" type="datetimeFigureOut">
               <a:rPr lang="en-US" smtClean="0"/>
-              <a:t>6/17/16</a:t>
+              <a:t>6/28/16</a:t>
             </a:fld>
             <a:endParaRPr lang="en-US"/>
           </a:p>
@@ -7138,7 +7138,7 @@
           <a:p>
             <a:fld id="{0459C166-16D3-4A25-A2F8-C51E0E346B22}" type="datetimeFigureOut">
               <a:rPr lang="en-US" smtClean="0"/>
-              <a:t>6/17/16</a:t>
+              <a:t>6/28/16</a:t>
             </a:fld>
             <a:endParaRPr lang="en-US"/>
           </a:p>
@@ -7349,7 +7349,7 @@
           <a:p>
             <a:fld id="{0459C166-16D3-4A25-A2F8-C51E0E346B22}" type="datetimeFigureOut">
               <a:rPr lang="en-US" smtClean="0"/>
-              <a:t>6/17/16</a:t>
+              <a:t>6/28/16</a:t>
             </a:fld>
             <a:endParaRPr lang="en-US"/>
           </a:p>
@@ -10095,14 +10095,14 @@
                 <a:gridCol w="4202815">
                   <a:extLst>
                     <a:ext uri="{9D8B030D-6E8A-4147-A177-3AD203B41FA5}">
-                      <a16:colId xmlns:a16="http://schemas.microsoft.com/office/drawing/2014/main" xmlns="" val="48614039"/>
+                      <a16:colId xmlns="" xmlns:a16="http://schemas.microsoft.com/office/drawing/2014/main" val="48614039"/>
                     </a:ext>
                   </a:extLst>
                 </a:gridCol>
                 <a:gridCol w="6863813">
                   <a:extLst>
                     <a:ext uri="{9D8B030D-6E8A-4147-A177-3AD203B41FA5}">
-                      <a16:colId xmlns:a16="http://schemas.microsoft.com/office/drawing/2014/main" xmlns="" val="1124546490"/>
+                      <a16:colId xmlns="" xmlns:a16="http://schemas.microsoft.com/office/drawing/2014/main" val="1124546490"/>
                     </a:ext>
                   </a:extLst>
                 </a:gridCol>
@@ -10154,7 +10154,7 @@
                 </a:tc>
                 <a:extLst>
                   <a:ext uri="{0D108BD9-81ED-4DB2-BD59-A6C34878D82A}">
-                    <a16:rowId xmlns:a16="http://schemas.microsoft.com/office/drawing/2014/main" xmlns="" val="679667022"/>
+                    <a16:rowId xmlns="" xmlns:a16="http://schemas.microsoft.com/office/drawing/2014/main" val="679667022"/>
                   </a:ext>
                 </a:extLst>
               </a:tr>
@@ -10206,7 +10206,7 @@
                 </a:tc>
                 <a:extLst>
                   <a:ext uri="{0D108BD9-81ED-4DB2-BD59-A6C34878D82A}">
-                    <a16:rowId xmlns:a16="http://schemas.microsoft.com/office/drawing/2014/main" xmlns="" val="2034482246"/>
+                    <a16:rowId xmlns="" xmlns:a16="http://schemas.microsoft.com/office/drawing/2014/main" val="2034482246"/>
                   </a:ext>
                 </a:extLst>
               </a:tr>
@@ -10258,7 +10258,7 @@
                 </a:tc>
                 <a:extLst>
                   <a:ext uri="{0D108BD9-81ED-4DB2-BD59-A6C34878D82A}">
-                    <a16:rowId xmlns:a16="http://schemas.microsoft.com/office/drawing/2014/main" xmlns="" val="682465758"/>
+                    <a16:rowId xmlns="" xmlns:a16="http://schemas.microsoft.com/office/drawing/2014/main" val="682465758"/>
                   </a:ext>
                 </a:extLst>
               </a:tr>
@@ -10317,7 +10317,7 @@
                 </a:tc>
                 <a:extLst>
                   <a:ext uri="{0D108BD9-81ED-4DB2-BD59-A6C34878D82A}">
-                    <a16:rowId xmlns:a16="http://schemas.microsoft.com/office/drawing/2014/main" xmlns="" val="4230228483"/>
+                    <a16:rowId xmlns="" xmlns:a16="http://schemas.microsoft.com/office/drawing/2014/main" val="4230228483"/>
                   </a:ext>
                 </a:extLst>
               </a:tr>
@@ -13056,7 +13056,7 @@
   <a:extraClrSchemeLst/>
   <a:extLst>
     <a:ext uri="{05A4C25C-085E-4340-85A3-A5531E510DB2}">
-      <thm15:themeFamily xmlns:thm15="http://schemas.microsoft.com/office/thememl/2012/main" xmlns="" name="Office Theme" id="{62F939B6-93AF-4DB8-9C6B-D6C7DFDC589F}" vid="{4A3C46E8-61CC-4603-A589-7422A47A8E4A}"/>
+      <thm15:themeFamily xmlns="" xmlns:thm15="http://schemas.microsoft.com/office/thememl/2012/main" name="Office Theme" id="{62F939B6-93AF-4DB8-9C6B-D6C7DFDC589F}" vid="{4A3C46E8-61CC-4603-A589-7422A47A8E4A}"/>
     </a:ext>
   </a:extLst>
 </a:theme>
@@ -13351,7 +13351,7 @@
   <a:extraClrSchemeLst/>
   <a:extLst>
     <a:ext uri="{05A4C25C-085E-4340-85A3-A5531E510DB2}">
-      <thm15:themeFamily xmlns:thm15="http://schemas.microsoft.com/office/thememl/2012/main" xmlns="" name="Office Theme" id="{62F939B6-93AF-4DB8-9C6B-D6C7DFDC589F}" vid="{4A3C46E8-61CC-4603-A589-7422A47A8E4A}"/>
+      <thm15:themeFamily xmlns="" xmlns:thm15="http://schemas.microsoft.com/office/thememl/2012/main" name="Office Theme" id="{62F939B6-93AF-4DB8-9C6B-D6C7DFDC589F}" vid="{4A3C46E8-61CC-4603-A589-7422A47A8E4A}"/>
     </a:ext>
   </a:extLst>
 </a:theme>
